--- a/Unity/texture.pptx
+++ b/Unity/texture.pptx
@@ -7,6 +7,8 @@
   <p:sldIdLst>
     <p:sldId id="256" r:id="rId2"/>
     <p:sldId id="257" r:id="rId3"/>
+    <p:sldId id="258" r:id="rId4"/>
+    <p:sldId id="259" r:id="rId5"/>
   </p:sldIdLst>
   <p:sldSz cx="12192000" cy="6858000"/>
   <p:notesSz cx="6858000" cy="9144000"/>
@@ -105,6 +107,11 @@
       </a:defRPr>
     </a:lvl9pPr>
   </p:defaultTextStyle>
+  <p:extLst>
+    <p:ext uri="{EFAFB233-063F-42B5-8137-9DF3F51BA10A}">
+      <p15:sldGuideLst xmlns:p15="http://schemas.microsoft.com/office/powerpoint/2012/main"/>
+    </p:ext>
+  </p:extLst>
 </p:presentation>
 </file>
 
@@ -255,7 +262,7 @@
           <a:p>
             <a:fld id="{622EFDEF-74F8-40AD-B2A5-8BB6584558DA}" type="datetimeFigureOut">
               <a:rPr lang="fr-FR" smtClean="0"/>
-              <a:t>05/02/2021</a:t>
+              <a:t>19/02/2021</a:t>
             </a:fld>
             <a:endParaRPr lang="fr-FR"/>
           </a:p>
@@ -453,7 +460,7 @@
           <a:p>
             <a:fld id="{622EFDEF-74F8-40AD-B2A5-8BB6584558DA}" type="datetimeFigureOut">
               <a:rPr lang="fr-FR" smtClean="0"/>
-              <a:t>05/02/2021</a:t>
+              <a:t>19/02/2021</a:t>
             </a:fld>
             <a:endParaRPr lang="fr-FR"/>
           </a:p>
@@ -661,7 +668,7 @@
           <a:p>
             <a:fld id="{622EFDEF-74F8-40AD-B2A5-8BB6584558DA}" type="datetimeFigureOut">
               <a:rPr lang="fr-FR" smtClean="0"/>
-              <a:t>05/02/2021</a:t>
+              <a:t>19/02/2021</a:t>
             </a:fld>
             <a:endParaRPr lang="fr-FR"/>
           </a:p>
@@ -859,7 +866,7 @@
           <a:p>
             <a:fld id="{622EFDEF-74F8-40AD-B2A5-8BB6584558DA}" type="datetimeFigureOut">
               <a:rPr lang="fr-FR" smtClean="0"/>
-              <a:t>05/02/2021</a:t>
+              <a:t>19/02/2021</a:t>
             </a:fld>
             <a:endParaRPr lang="fr-FR"/>
           </a:p>
@@ -1134,7 +1141,7 @@
           <a:p>
             <a:fld id="{622EFDEF-74F8-40AD-B2A5-8BB6584558DA}" type="datetimeFigureOut">
               <a:rPr lang="fr-FR" smtClean="0"/>
-              <a:t>05/02/2021</a:t>
+              <a:t>19/02/2021</a:t>
             </a:fld>
             <a:endParaRPr lang="fr-FR"/>
           </a:p>
@@ -1399,7 +1406,7 @@
           <a:p>
             <a:fld id="{622EFDEF-74F8-40AD-B2A5-8BB6584558DA}" type="datetimeFigureOut">
               <a:rPr lang="fr-FR" smtClean="0"/>
-              <a:t>05/02/2021</a:t>
+              <a:t>19/02/2021</a:t>
             </a:fld>
             <a:endParaRPr lang="fr-FR"/>
           </a:p>
@@ -1811,7 +1818,7 @@
           <a:p>
             <a:fld id="{622EFDEF-74F8-40AD-B2A5-8BB6584558DA}" type="datetimeFigureOut">
               <a:rPr lang="fr-FR" smtClean="0"/>
-              <a:t>05/02/2021</a:t>
+              <a:t>19/02/2021</a:t>
             </a:fld>
             <a:endParaRPr lang="fr-FR"/>
           </a:p>
@@ -1952,7 +1959,7 @@
           <a:p>
             <a:fld id="{622EFDEF-74F8-40AD-B2A5-8BB6584558DA}" type="datetimeFigureOut">
               <a:rPr lang="fr-FR" smtClean="0"/>
-              <a:t>05/02/2021</a:t>
+              <a:t>19/02/2021</a:t>
             </a:fld>
             <a:endParaRPr lang="fr-FR"/>
           </a:p>
@@ -2065,7 +2072,7 @@
           <a:p>
             <a:fld id="{622EFDEF-74F8-40AD-B2A5-8BB6584558DA}" type="datetimeFigureOut">
               <a:rPr lang="fr-FR" smtClean="0"/>
-              <a:t>05/02/2021</a:t>
+              <a:t>19/02/2021</a:t>
             </a:fld>
             <a:endParaRPr lang="fr-FR"/>
           </a:p>
@@ -2376,7 +2383,7 @@
           <a:p>
             <a:fld id="{622EFDEF-74F8-40AD-B2A5-8BB6584558DA}" type="datetimeFigureOut">
               <a:rPr lang="fr-FR" smtClean="0"/>
-              <a:t>05/02/2021</a:t>
+              <a:t>19/02/2021</a:t>
             </a:fld>
             <a:endParaRPr lang="fr-FR"/>
           </a:p>
@@ -2664,7 +2671,7 @@
           <a:p>
             <a:fld id="{622EFDEF-74F8-40AD-B2A5-8BB6584558DA}" type="datetimeFigureOut">
               <a:rPr lang="fr-FR" smtClean="0"/>
-              <a:t>05/02/2021</a:t>
+              <a:t>19/02/2021</a:t>
             </a:fld>
             <a:endParaRPr lang="fr-FR"/>
           </a:p>
@@ -2905,7 +2912,7 @@
           <a:p>
             <a:fld id="{622EFDEF-74F8-40AD-B2A5-8BB6584558DA}" type="datetimeFigureOut">
               <a:rPr lang="fr-FR" smtClean="0"/>
-              <a:t>05/02/2021</a:t>
+              <a:t>19/02/2021</a:t>
             </a:fld>
             <a:endParaRPr lang="fr-FR"/>
           </a:p>
@@ -3408,10 +3415,520 @@
           <a:chExt cx="0" cy="0"/>
         </a:xfrm>
       </p:grpSpPr>
+      <p:sp>
+        <p:nvSpPr>
+          <p:cNvPr id="2" name="Rectangle 1">
+            <a:extLst>
+              <a:ext uri="{FF2B5EF4-FFF2-40B4-BE49-F238E27FC236}">
+                <a16:creationId xmlns:a16="http://schemas.microsoft.com/office/drawing/2014/main" id="{73E55FB7-B6F3-4F20-9D8E-160BB40E1D8F}"/>
+              </a:ext>
+            </a:extLst>
+          </p:cNvPr>
+          <p:cNvSpPr/>
+          <p:nvPr/>
+        </p:nvSpPr>
+        <p:spPr>
+          <a:xfrm>
+            <a:off x="3398939" y="3126996"/>
+            <a:ext cx="5394121" cy="604007"/>
+          </a:xfrm>
+          <a:prstGeom prst="rect">
+            <a:avLst/>
+          </a:prstGeom>
+          <a:solidFill>
+            <a:schemeClr val="bg1"/>
+          </a:solidFill>
+          <a:ln w="203200">
+            <a:solidFill>
+              <a:schemeClr val="tx1"/>
+            </a:solidFill>
+          </a:ln>
+        </p:spPr>
+        <p:style>
+          <a:lnRef idx="2">
+            <a:schemeClr val="accent1">
+              <a:shade val="50000"/>
+            </a:schemeClr>
+          </a:lnRef>
+          <a:fillRef idx="1">
+            <a:schemeClr val="accent1"/>
+          </a:fillRef>
+          <a:effectRef idx="0">
+            <a:schemeClr val="accent1"/>
+          </a:effectRef>
+          <a:fontRef idx="minor">
+            <a:schemeClr val="lt1"/>
+          </a:fontRef>
+        </p:style>
+        <p:txBody>
+          <a:bodyPr rtlCol="0" anchor="ctr"/>
+          <a:lstStyle/>
+          <a:p>
+            <a:pPr algn="ctr"/>
+            <a:endParaRPr lang="fr-FR"/>
+          </a:p>
+        </p:txBody>
+      </p:sp>
     </p:spTree>
     <p:extLst>
       <p:ext uri="{BB962C8B-B14F-4D97-AF65-F5344CB8AC3E}">
         <p14:creationId xmlns:p14="http://schemas.microsoft.com/office/powerpoint/2010/main" val="937515584"/>
+      </p:ext>
+    </p:extLst>
+  </p:cSld>
+  <p:clrMapOvr>
+    <a:masterClrMapping/>
+  </p:clrMapOvr>
+</p:sld>
+</file>
+
+<file path=ppt/slides/slide3.xml><?xml version="1.0" encoding="utf-8"?>
+<p:sld xmlns:a="http://schemas.openxmlformats.org/drawingml/2006/main" xmlns:r="http://schemas.openxmlformats.org/officeDocument/2006/relationships" xmlns:p="http://schemas.openxmlformats.org/presentationml/2006/main">
+  <p:cSld>
+    <p:spTree>
+      <p:nvGrpSpPr>
+        <p:cNvPr id="1" name=""/>
+        <p:cNvGrpSpPr/>
+        <p:nvPr/>
+      </p:nvGrpSpPr>
+      <p:grpSpPr>
+        <a:xfrm>
+          <a:off x="0" y="0"/>
+          <a:ext cx="0" cy="0"/>
+          <a:chOff x="0" y="0"/>
+          <a:chExt cx="0" cy="0"/>
+        </a:xfrm>
+      </p:grpSpPr>
+      <p:grpSp>
+        <p:nvGrpSpPr>
+          <p:cNvPr id="4" name="Groupe 3">
+            <a:extLst>
+              <a:ext uri="{FF2B5EF4-FFF2-40B4-BE49-F238E27FC236}">
+                <a16:creationId xmlns:a16="http://schemas.microsoft.com/office/drawing/2014/main" id="{4BE00972-87C4-48B6-98EB-5DCC9A856FCE}"/>
+              </a:ext>
+            </a:extLst>
+          </p:cNvPr>
+          <p:cNvGrpSpPr/>
+          <p:nvPr/>
+        </p:nvGrpSpPr>
+        <p:grpSpPr>
+          <a:xfrm>
+            <a:off x="3398939" y="2649864"/>
+            <a:ext cx="5394121" cy="1558269"/>
+            <a:chOff x="3398939" y="2649864"/>
+            <a:chExt cx="5394121" cy="1558269"/>
+          </a:xfrm>
+        </p:grpSpPr>
+        <p:sp>
+          <p:nvSpPr>
+            <p:cNvPr id="2" name="Rectangle 1">
+              <a:extLst>
+                <a:ext uri="{FF2B5EF4-FFF2-40B4-BE49-F238E27FC236}">
+                  <a16:creationId xmlns:a16="http://schemas.microsoft.com/office/drawing/2014/main" id="{73E55FB7-B6F3-4F20-9D8E-160BB40E1D8F}"/>
+                </a:ext>
+              </a:extLst>
+            </p:cNvPr>
+            <p:cNvSpPr/>
+            <p:nvPr/>
+          </p:nvSpPr>
+          <p:spPr>
+            <a:xfrm>
+              <a:off x="3398939" y="3126996"/>
+              <a:ext cx="5394121" cy="604007"/>
+            </a:xfrm>
+            <a:prstGeom prst="rect">
+              <a:avLst/>
+            </a:prstGeom>
+            <a:noFill/>
+            <a:ln w="203200">
+              <a:noFill/>
+            </a:ln>
+          </p:spPr>
+          <p:style>
+            <a:lnRef idx="2">
+              <a:schemeClr val="accent1">
+                <a:shade val="50000"/>
+              </a:schemeClr>
+            </a:lnRef>
+            <a:fillRef idx="1">
+              <a:schemeClr val="accent1"/>
+            </a:fillRef>
+            <a:effectRef idx="0">
+              <a:schemeClr val="accent1"/>
+            </a:effectRef>
+            <a:fontRef idx="minor">
+              <a:schemeClr val="lt1"/>
+            </a:fontRef>
+          </p:style>
+          <p:txBody>
+            <a:bodyPr rtlCol="0" anchor="ctr"/>
+            <a:lstStyle/>
+            <a:p>
+              <a:pPr algn="ctr"/>
+              <a:endParaRPr lang="fr-FR"/>
+            </a:p>
+          </p:txBody>
+        </p:sp>
+        <p:sp>
+          <p:nvSpPr>
+            <p:cNvPr id="3" name="Ellipse 2">
+              <a:extLst>
+                <a:ext uri="{FF2B5EF4-FFF2-40B4-BE49-F238E27FC236}">
+                  <a16:creationId xmlns:a16="http://schemas.microsoft.com/office/drawing/2014/main" id="{81F51740-DF98-4F6E-971E-D626ACF95CE3}"/>
+                </a:ext>
+              </a:extLst>
+            </p:cNvPr>
+            <p:cNvSpPr/>
+            <p:nvPr/>
+          </p:nvSpPr>
+          <p:spPr>
+            <a:xfrm>
+              <a:off x="5316864" y="2649864"/>
+              <a:ext cx="1558269" cy="1558269"/>
+            </a:xfrm>
+            <a:prstGeom prst="ellipse">
+              <a:avLst/>
+            </a:prstGeom>
+            <a:solidFill>
+              <a:schemeClr val="bg1"/>
+            </a:solidFill>
+            <a:ln w="203200">
+              <a:solidFill>
+                <a:schemeClr val="tx1"/>
+              </a:solidFill>
+            </a:ln>
+          </p:spPr>
+          <p:style>
+            <a:lnRef idx="2">
+              <a:schemeClr val="accent1">
+                <a:shade val="50000"/>
+              </a:schemeClr>
+            </a:lnRef>
+            <a:fillRef idx="1">
+              <a:schemeClr val="accent1"/>
+            </a:fillRef>
+            <a:effectRef idx="0">
+              <a:schemeClr val="accent1"/>
+            </a:effectRef>
+            <a:fontRef idx="minor">
+              <a:schemeClr val="lt1"/>
+            </a:fontRef>
+          </p:style>
+          <p:txBody>
+            <a:bodyPr rtlCol="0" anchor="ctr"/>
+            <a:lstStyle/>
+            <a:p>
+              <a:pPr algn="ctr"/>
+              <a:endParaRPr lang="fr-FR"/>
+            </a:p>
+          </p:txBody>
+        </p:sp>
+      </p:grpSp>
+    </p:spTree>
+    <p:extLst>
+      <p:ext uri="{BB962C8B-B14F-4D97-AF65-F5344CB8AC3E}">
+        <p14:creationId xmlns:p14="http://schemas.microsoft.com/office/powerpoint/2010/main" val="5105480"/>
+      </p:ext>
+    </p:extLst>
+  </p:cSld>
+  <p:clrMapOvr>
+    <a:masterClrMapping/>
+  </p:clrMapOvr>
+</p:sld>
+</file>
+
+<file path=ppt/slides/slide4.xml><?xml version="1.0" encoding="utf-8"?>
+<p:sld xmlns:a="http://schemas.openxmlformats.org/drawingml/2006/main" xmlns:r="http://schemas.openxmlformats.org/officeDocument/2006/relationships" xmlns:p="http://schemas.openxmlformats.org/presentationml/2006/main">
+  <p:cSld>
+    <p:spTree>
+      <p:nvGrpSpPr>
+        <p:cNvPr id="1" name=""/>
+        <p:cNvGrpSpPr/>
+        <p:nvPr/>
+      </p:nvGrpSpPr>
+      <p:grpSpPr>
+        <a:xfrm>
+          <a:off x="0" y="0"/>
+          <a:ext cx="0" cy="0"/>
+          <a:chOff x="0" y="0"/>
+          <a:chExt cx="0" cy="0"/>
+        </a:xfrm>
+      </p:grpSpPr>
+      <p:grpSp>
+        <p:nvGrpSpPr>
+          <p:cNvPr id="8" name="Groupe 7">
+            <a:extLst>
+              <a:ext uri="{FF2B5EF4-FFF2-40B4-BE49-F238E27FC236}">
+                <a16:creationId xmlns:a16="http://schemas.microsoft.com/office/drawing/2014/main" id="{2467948C-382B-43B3-AE02-A02F925C8AA5}"/>
+              </a:ext>
+            </a:extLst>
+          </p:cNvPr>
+          <p:cNvGrpSpPr/>
+          <p:nvPr/>
+        </p:nvGrpSpPr>
+        <p:grpSpPr>
+          <a:xfrm>
+            <a:off x="3398939" y="1472817"/>
+            <a:ext cx="5394121" cy="3912366"/>
+            <a:chOff x="3398939" y="1472817"/>
+            <a:chExt cx="5394121" cy="3912366"/>
+          </a:xfrm>
+        </p:grpSpPr>
+        <p:grpSp>
+          <p:nvGrpSpPr>
+            <p:cNvPr id="6" name="Groupe 5">
+              <a:extLst>
+                <a:ext uri="{FF2B5EF4-FFF2-40B4-BE49-F238E27FC236}">
+                  <a16:creationId xmlns:a16="http://schemas.microsoft.com/office/drawing/2014/main" id="{3894F62A-DB9B-4792-90E5-C1DF88592BB5}"/>
+                </a:ext>
+              </a:extLst>
+            </p:cNvPr>
+            <p:cNvGrpSpPr/>
+            <p:nvPr/>
+          </p:nvGrpSpPr>
+          <p:grpSpPr>
+            <a:xfrm>
+              <a:off x="3398939" y="1472817"/>
+              <a:ext cx="5394121" cy="2258186"/>
+              <a:chOff x="3398939" y="1472817"/>
+              <a:chExt cx="5394121" cy="2258186"/>
+            </a:xfrm>
+          </p:grpSpPr>
+          <p:sp>
+            <p:nvSpPr>
+              <p:cNvPr id="2" name="Rectangle 1">
+                <a:extLst>
+                  <a:ext uri="{FF2B5EF4-FFF2-40B4-BE49-F238E27FC236}">
+                    <a16:creationId xmlns:a16="http://schemas.microsoft.com/office/drawing/2014/main" id="{73E55FB7-B6F3-4F20-9D8E-160BB40E1D8F}"/>
+                  </a:ext>
+                </a:extLst>
+              </p:cNvPr>
+              <p:cNvSpPr/>
+              <p:nvPr/>
+            </p:nvSpPr>
+            <p:spPr>
+              <a:xfrm>
+                <a:off x="3398939" y="3126996"/>
+                <a:ext cx="5394121" cy="604007"/>
+              </a:xfrm>
+              <a:prstGeom prst="rect">
+                <a:avLst/>
+              </a:prstGeom>
+              <a:solidFill>
+                <a:schemeClr val="bg1"/>
+              </a:solidFill>
+              <a:ln w="203200">
+                <a:solidFill>
+                  <a:schemeClr val="tx1"/>
+                </a:solidFill>
+              </a:ln>
+            </p:spPr>
+            <p:style>
+              <a:lnRef idx="2">
+                <a:schemeClr val="accent1">
+                  <a:shade val="50000"/>
+                </a:schemeClr>
+              </a:lnRef>
+              <a:fillRef idx="1">
+                <a:schemeClr val="accent1"/>
+              </a:fillRef>
+              <a:effectRef idx="0">
+                <a:schemeClr val="accent1"/>
+              </a:effectRef>
+              <a:fontRef idx="minor">
+                <a:schemeClr val="lt1"/>
+              </a:fontRef>
+            </p:style>
+            <p:txBody>
+              <a:bodyPr rtlCol="0" anchor="ctr"/>
+              <a:lstStyle/>
+              <a:p>
+                <a:pPr algn="ctr"/>
+                <a:endParaRPr lang="fr-FR"/>
+              </a:p>
+            </p:txBody>
+          </p:sp>
+          <p:grpSp>
+            <p:nvGrpSpPr>
+              <p:cNvPr id="3" name="Groupe 2">
+                <a:extLst>
+                  <a:ext uri="{FF2B5EF4-FFF2-40B4-BE49-F238E27FC236}">
+                    <a16:creationId xmlns:a16="http://schemas.microsoft.com/office/drawing/2014/main" id="{729FC078-C24A-4AF5-9CC9-E7DE725BE6B5}"/>
+                  </a:ext>
+                </a:extLst>
+              </p:cNvPr>
+              <p:cNvGrpSpPr/>
+              <p:nvPr/>
+            </p:nvGrpSpPr>
+            <p:grpSpPr>
+              <a:xfrm>
+                <a:off x="3398939" y="1472817"/>
+                <a:ext cx="5394121" cy="1558269"/>
+                <a:chOff x="3398939" y="2649864"/>
+                <a:chExt cx="5394121" cy="1558269"/>
+              </a:xfrm>
+            </p:grpSpPr>
+            <p:sp>
+              <p:nvSpPr>
+                <p:cNvPr id="4" name="Rectangle 3">
+                  <a:extLst>
+                    <a:ext uri="{FF2B5EF4-FFF2-40B4-BE49-F238E27FC236}">
+                      <a16:creationId xmlns:a16="http://schemas.microsoft.com/office/drawing/2014/main" id="{540F4EFD-17BC-489E-AB06-62A9EA0BF35C}"/>
+                    </a:ext>
+                  </a:extLst>
+                </p:cNvPr>
+                <p:cNvSpPr/>
+                <p:nvPr/>
+              </p:nvSpPr>
+              <p:spPr>
+                <a:xfrm>
+                  <a:off x="3398939" y="3126996"/>
+                  <a:ext cx="5394121" cy="604007"/>
+                </a:xfrm>
+                <a:prstGeom prst="rect">
+                  <a:avLst/>
+                </a:prstGeom>
+                <a:noFill/>
+                <a:ln w="203200">
+                  <a:noFill/>
+                </a:ln>
+              </p:spPr>
+              <p:style>
+                <a:lnRef idx="2">
+                  <a:schemeClr val="accent1">
+                    <a:shade val="50000"/>
+                  </a:schemeClr>
+                </a:lnRef>
+                <a:fillRef idx="1">
+                  <a:schemeClr val="accent1"/>
+                </a:fillRef>
+                <a:effectRef idx="0">
+                  <a:schemeClr val="accent1"/>
+                </a:effectRef>
+                <a:fontRef idx="minor">
+                  <a:schemeClr val="lt1"/>
+                </a:fontRef>
+              </p:style>
+              <p:txBody>
+                <a:bodyPr rtlCol="0" anchor="ctr"/>
+                <a:lstStyle/>
+                <a:p>
+                  <a:pPr algn="ctr"/>
+                  <a:endParaRPr lang="fr-FR"/>
+                </a:p>
+              </p:txBody>
+            </p:sp>
+            <p:sp>
+              <p:nvSpPr>
+                <p:cNvPr id="5" name="Ellipse 4">
+                  <a:extLst>
+                    <a:ext uri="{FF2B5EF4-FFF2-40B4-BE49-F238E27FC236}">
+                      <a16:creationId xmlns:a16="http://schemas.microsoft.com/office/drawing/2014/main" id="{D2A20557-E4B1-4AFF-A3C1-FE1FBC865AF6}"/>
+                    </a:ext>
+                  </a:extLst>
+                </p:cNvPr>
+                <p:cNvSpPr/>
+                <p:nvPr/>
+              </p:nvSpPr>
+              <p:spPr>
+                <a:xfrm>
+                  <a:off x="5316864" y="2649864"/>
+                  <a:ext cx="1558269" cy="1558269"/>
+                </a:xfrm>
+                <a:prstGeom prst="ellipse">
+                  <a:avLst/>
+                </a:prstGeom>
+                <a:solidFill>
+                  <a:schemeClr val="bg1"/>
+                </a:solidFill>
+                <a:ln w="203200">
+                  <a:solidFill>
+                    <a:schemeClr val="tx1"/>
+                  </a:solidFill>
+                </a:ln>
+              </p:spPr>
+              <p:style>
+                <a:lnRef idx="2">
+                  <a:schemeClr val="accent1">
+                    <a:shade val="50000"/>
+                  </a:schemeClr>
+                </a:lnRef>
+                <a:fillRef idx="1">
+                  <a:schemeClr val="accent1"/>
+                </a:fillRef>
+                <a:effectRef idx="0">
+                  <a:schemeClr val="accent1"/>
+                </a:effectRef>
+                <a:fontRef idx="minor">
+                  <a:schemeClr val="lt1"/>
+                </a:fontRef>
+              </p:style>
+              <p:txBody>
+                <a:bodyPr rtlCol="0" anchor="ctr"/>
+                <a:lstStyle/>
+                <a:p>
+                  <a:pPr algn="ctr"/>
+                  <a:endParaRPr lang="fr-FR"/>
+                </a:p>
+              </p:txBody>
+            </p:sp>
+          </p:grpSp>
+        </p:grpSp>
+        <p:sp>
+          <p:nvSpPr>
+            <p:cNvPr id="7" name="Ellipse 6">
+              <a:extLst>
+                <a:ext uri="{FF2B5EF4-FFF2-40B4-BE49-F238E27FC236}">
+                  <a16:creationId xmlns:a16="http://schemas.microsoft.com/office/drawing/2014/main" id="{4DD32563-3026-4572-91B6-5550C97ED3DE}"/>
+                </a:ext>
+              </a:extLst>
+            </p:cNvPr>
+            <p:cNvSpPr/>
+            <p:nvPr/>
+          </p:nvSpPr>
+          <p:spPr>
+            <a:xfrm>
+              <a:off x="5316863" y="3826914"/>
+              <a:ext cx="1558269" cy="1558269"/>
+            </a:xfrm>
+            <a:prstGeom prst="ellipse">
+              <a:avLst/>
+            </a:prstGeom>
+            <a:noFill/>
+            <a:ln w="203200">
+              <a:noFill/>
+            </a:ln>
+          </p:spPr>
+          <p:style>
+            <a:lnRef idx="2">
+              <a:schemeClr val="accent1">
+                <a:shade val="50000"/>
+              </a:schemeClr>
+            </a:lnRef>
+            <a:fillRef idx="1">
+              <a:schemeClr val="accent1"/>
+            </a:fillRef>
+            <a:effectRef idx="0">
+              <a:schemeClr val="accent1"/>
+            </a:effectRef>
+            <a:fontRef idx="minor">
+              <a:schemeClr val="lt1"/>
+            </a:fontRef>
+          </p:style>
+          <p:txBody>
+            <a:bodyPr rtlCol="0" anchor="ctr"/>
+            <a:lstStyle/>
+            <a:p>
+              <a:pPr algn="ctr"/>
+              <a:endParaRPr lang="fr-FR"/>
+            </a:p>
+          </p:txBody>
+        </p:sp>
+      </p:grpSp>
+    </p:spTree>
+    <p:extLst>
+      <p:ext uri="{BB962C8B-B14F-4D97-AF65-F5344CB8AC3E}">
+        <p14:creationId xmlns:p14="http://schemas.microsoft.com/office/powerpoint/2010/main" val="400780926"/>
       </p:ext>
     </p:extLst>
   </p:cSld>
